--- a/DG_03 DRY-We need a coffee machine.pptx
+++ b/DG_03 DRY-We need a coffee machine.pptx
@@ -5,13 +5,14 @@
     <p:sldMasterId id="2147483739" r:id="rId1"/>
   </p:sldMasterIdLst>
   <p:notesMasterIdLst>
-    <p:notesMasterId r:id="rId6"/>
+    <p:notesMasterId r:id="rId7"/>
   </p:notesMasterIdLst>
   <p:sldIdLst>
     <p:sldId id="643" r:id="rId2"/>
     <p:sldId id="644" r:id="rId3"/>
     <p:sldId id="645" r:id="rId4"/>
     <p:sldId id="646" r:id="rId5"/>
+    <p:sldId id="648" r:id="rId6"/>
   </p:sldIdLst>
   <p:sldSz cx="9144000" cy="6858000" type="screen4x3"/>
   <p:notesSz cx="6858000" cy="9144000"/>
@@ -112,7 +113,7 @@
   </p:defaultTextStyle>
   <p:extLst>
     <p:ext uri="{EFAFB233-063F-42B5-8137-9DF3F51BA10A}">
-      <p15:sldGuideLst xmlns="" xmlns:p15="http://schemas.microsoft.com/office/powerpoint/2012/main">
+      <p15:sldGuideLst xmlns:p15="http://schemas.microsoft.com/office/powerpoint/2012/main">
         <p15:guide id="1" orient="horz" pos="2160">
           <p15:clr>
             <a:srgbClr val="A4A3A4"/>
@@ -211,7 +212,7 @@
           <a:p>
             <a:fld id="{78C00125-7AA2-BF47-9592-BD0EA1380ED7}" type="datetimeFigureOut">
               <a:rPr lang="en-US" smtClean="0"/>
-              <a:t>5/22/2022</a:t>
+              <a:t>5/23/2022</a:t>
             </a:fld>
             <a:endParaRPr lang="en-US"/>
           </a:p>
@@ -731,6 +732,90 @@
 </p:notes>
 </file>
 
+<file path=ppt/notesSlides/notesSlide4.xml><?xml version="1.0" encoding="utf-8"?>
+<p:notes xmlns:a="http://schemas.openxmlformats.org/drawingml/2006/main" xmlns:r="http://schemas.openxmlformats.org/officeDocument/2006/relationships" xmlns:p="http://schemas.openxmlformats.org/presentationml/2006/main">
+  <p:cSld>
+    <p:spTree>
+      <p:nvGrpSpPr>
+        <p:cNvPr id="1" name=""/>
+        <p:cNvGrpSpPr/>
+        <p:nvPr/>
+      </p:nvGrpSpPr>
+      <p:grpSpPr>
+        <a:xfrm>
+          <a:off x="0" y="0"/>
+          <a:ext cx="0" cy="0"/>
+          <a:chOff x="0" y="0"/>
+          <a:chExt cx="0" cy="0"/>
+        </a:xfrm>
+      </p:grpSpPr>
+      <p:sp>
+        <p:nvSpPr>
+          <p:cNvPr id="2" name="Slide Image Placeholder 1"/>
+          <p:cNvSpPr>
+            <a:spLocks noGrp="1" noRot="1" noChangeAspect="1"/>
+          </p:cNvSpPr>
+          <p:nvPr>
+            <p:ph type="sldImg"/>
+          </p:nvPr>
+        </p:nvSpPr>
+        <p:spPr/>
+      </p:sp>
+      <p:sp>
+        <p:nvSpPr>
+          <p:cNvPr id="3" name="Notes Placeholder 2"/>
+          <p:cNvSpPr>
+            <a:spLocks noGrp="1"/>
+          </p:cNvSpPr>
+          <p:nvPr>
+            <p:ph type="body" idx="1"/>
+          </p:nvPr>
+        </p:nvSpPr>
+        <p:spPr/>
+        <p:txBody>
+          <a:bodyPr/>
+          <a:lstStyle/>
+          <a:p>
+            <a:endParaRPr lang="en-US" dirty="0"/>
+          </a:p>
+        </p:txBody>
+      </p:sp>
+      <p:sp>
+        <p:nvSpPr>
+          <p:cNvPr id="4" name="Slide Number Placeholder 3"/>
+          <p:cNvSpPr>
+            <a:spLocks noGrp="1"/>
+          </p:cNvSpPr>
+          <p:nvPr>
+            <p:ph type="sldNum" sz="quarter" idx="10"/>
+          </p:nvPr>
+        </p:nvSpPr>
+        <p:spPr/>
+        <p:txBody>
+          <a:bodyPr/>
+          <a:lstStyle/>
+          <a:p>
+            <a:fld id="{2D8A47E9-43C9-0F4F-9379-1746571B2494}" type="slidenum">
+              <a:rPr lang="en-US" smtClean="0"/>
+              <a:t>5</a:t>
+            </a:fld>
+            <a:endParaRPr lang="en-US"/>
+          </a:p>
+        </p:txBody>
+      </p:sp>
+    </p:spTree>
+    <p:extLst>
+      <p:ext uri="{BB962C8B-B14F-4D97-AF65-F5344CB8AC3E}">
+        <p14:creationId xmlns:p14="http://schemas.microsoft.com/office/powerpoint/2010/main" val="1010279379"/>
+      </p:ext>
+    </p:extLst>
+  </p:cSld>
+  <p:clrMapOvr>
+    <a:masterClrMapping/>
+  </p:clrMapOvr>
+</p:notes>
+</file>
+
 <file path=ppt/slideLayouts/slideLayout1.xml><?xml version="1.0" encoding="utf-8"?>
 <p:sldLayout xmlns:a="http://schemas.openxmlformats.org/drawingml/2006/main" xmlns:r="http://schemas.openxmlformats.org/officeDocument/2006/relationships" xmlns:p="http://schemas.openxmlformats.org/presentationml/2006/main" showMasterSp="0" type="title" preserve="1">
   <p:cSld name="Title Slide">
@@ -2544,7 +2629,7 @@
             <a:fld id="{28E80666-FB37-4B36-9149-507F3B0178E3}" type="datetimeFigureOut">
               <a:rPr lang="en-US" smtClean="0"/>
               <a:pPr/>
-              <a:t>5/22/2022</a:t>
+              <a:t>5/23/2022</a:t>
             </a:fld>
             <a:endParaRPr lang="en-US"/>
           </a:p>
@@ -2726,7 +2811,7 @@
           <a:p>
             <a:fld id="{05DB9FB3-5BB2-724E-A037-6C88DDC21847}" type="datetimeFigureOut">
               <a:rPr lang="en-US" smtClean="0"/>
-              <a:t>5/22/2022</a:t>
+              <a:t>5/23/2022</a:t>
             </a:fld>
             <a:endParaRPr lang="en-US"/>
           </a:p>
@@ -2877,7 +2962,7 @@
           <a:p>
             <a:fld id="{05DB9FB3-5BB2-724E-A037-6C88DDC21847}" type="datetimeFigureOut">
               <a:rPr lang="en-US" smtClean="0"/>
-              <a:t>5/22/2022</a:t>
+              <a:t>5/23/2022</a:t>
             </a:fld>
             <a:endParaRPr lang="en-US"/>
           </a:p>
@@ -4703,7 +4788,7 @@
           <a:p>
             <a:fld id="{05DB9FB3-5BB2-724E-A037-6C88DDC21847}" type="datetimeFigureOut">
               <a:rPr lang="en-US" smtClean="0"/>
-              <a:t>5/22/2022</a:t>
+              <a:t>5/23/2022</a:t>
             </a:fld>
             <a:endParaRPr lang="en-US"/>
           </a:p>
@@ -6574,7 +6659,7 @@
             <a:fld id="{28E80666-FB37-4B36-9149-507F3B0178E3}" type="datetimeFigureOut">
               <a:rPr lang="en-US" smtClean="0"/>
               <a:pPr/>
-              <a:t>5/22/2022</a:t>
+              <a:t>5/23/2022</a:t>
             </a:fld>
             <a:endParaRPr lang="en-US"/>
           </a:p>
@@ -6688,7 +6773,7 @@
           <a:p>
             <a:fld id="{05DB9FB3-5BB2-724E-A037-6C88DDC21847}" type="datetimeFigureOut">
               <a:rPr lang="en-US" smtClean="0"/>
-              <a:t>5/22/2022</a:t>
+              <a:t>5/23/2022</a:t>
             </a:fld>
             <a:endParaRPr lang="en-US"/>
           </a:p>
@@ -7229,7 +7314,7 @@
           <a:p>
             <a:fld id="{05DB9FB3-5BB2-724E-A037-6C88DDC21847}" type="datetimeFigureOut">
               <a:rPr lang="en-US" smtClean="0"/>
-              <a:t>5/22/2022</a:t>
+              <a:t>5/23/2022</a:t>
             </a:fld>
             <a:endParaRPr lang="en-US"/>
           </a:p>
@@ -7342,7 +7427,7 @@
           <a:p>
             <a:fld id="{05DB9FB3-5BB2-724E-A037-6C88DDC21847}" type="datetimeFigureOut">
               <a:rPr lang="en-US" smtClean="0"/>
-              <a:t>5/22/2022</a:t>
+              <a:t>5/23/2022</a:t>
             </a:fld>
             <a:endParaRPr lang="en-US"/>
           </a:p>
@@ -9053,7 +9138,7 @@
           <a:p>
             <a:fld id="{05DB9FB3-5BB2-724E-A037-6C88DDC21847}" type="datetimeFigureOut">
               <a:rPr lang="en-US" smtClean="0"/>
-              <a:t>5/22/2022</a:t>
+              <a:t>5/23/2022</a:t>
             </a:fld>
             <a:endParaRPr lang="en-US"/>
           </a:p>
@@ -9204,7 +9289,7 @@
           <a:p>
             <a:fld id="{05DB9FB3-5BB2-724E-A037-6C88DDC21847}" type="datetimeFigureOut">
               <a:rPr lang="en-US" smtClean="0"/>
-              <a:t>5/22/2022</a:t>
+              <a:t>5/23/2022</a:t>
             </a:fld>
             <a:endParaRPr lang="en-US"/>
           </a:p>
@@ -12819,7 +12904,7 @@
           <a:p>
             <a:fld id="{05DB9FB3-5BB2-724E-A037-6C88DDC21847}" type="datetimeFigureOut">
               <a:rPr lang="en-US" smtClean="0"/>
-              <a:t>5/22/2022</a:t>
+              <a:t>5/23/2022</a:t>
             </a:fld>
             <a:endParaRPr lang="en-US"/>
           </a:p>
@@ -14678,7 +14763,7 @@
           <a:p>
             <a:fld id="{05DB9FB3-5BB2-724E-A037-6C88DDC21847}" type="datetimeFigureOut">
               <a:rPr lang="en-US" smtClean="0"/>
-              <a:t>5/22/2022</a:t>
+              <a:t>5/23/2022</a:t>
             </a:fld>
             <a:endParaRPr lang="en-US"/>
           </a:p>
@@ -15790,9 +15875,6 @@
               </a:rPr>
               <a:t>Upload docs to git</a:t>
             </a:r>
-            <a:endParaRPr lang="en-US" sz="2400" smtClean="0">
-              <a:latin typeface="Lucida Sans" panose="020B0602030504020204" pitchFamily="34" charset="0"/>
-            </a:endParaRPr>
           </a:p>
           <a:p>
             <a:pPr lvl="0"/>
@@ -15806,6 +15888,156 @@
     <p:extLst>
       <p:ext uri="{BB962C8B-B14F-4D97-AF65-F5344CB8AC3E}">
         <p14:creationId xmlns:p14="http://schemas.microsoft.com/office/powerpoint/2010/main" val="1740152893"/>
+      </p:ext>
+    </p:extLst>
+  </p:cSld>
+  <p:clrMapOvr>
+    <a:masterClrMapping/>
+  </p:clrMapOvr>
+  <p:timing>
+    <p:tnLst>
+      <p:par>
+        <p:cTn id="1" dur="indefinite" restart="never" nodeType="tmRoot"/>
+      </p:par>
+    </p:tnLst>
+  </p:timing>
+</p:sld>
+</file>
+
+<file path=ppt/slides/slide5.xml><?xml version="1.0" encoding="utf-8"?>
+<p:sld xmlns:a="http://schemas.openxmlformats.org/drawingml/2006/main" xmlns:r="http://schemas.openxmlformats.org/officeDocument/2006/relationships" xmlns:p="http://schemas.openxmlformats.org/presentationml/2006/main">
+  <p:cSld>
+    <p:spTree>
+      <p:nvGrpSpPr>
+        <p:cNvPr id="1" name=""/>
+        <p:cNvGrpSpPr/>
+        <p:nvPr/>
+      </p:nvGrpSpPr>
+      <p:grpSpPr>
+        <a:xfrm>
+          <a:off x="0" y="0"/>
+          <a:ext cx="0" cy="0"/>
+          <a:chOff x="0" y="0"/>
+          <a:chExt cx="0" cy="0"/>
+        </a:xfrm>
+      </p:grpSpPr>
+      <p:sp>
+        <p:nvSpPr>
+          <p:cNvPr id="2" name="Title 1"/>
+          <p:cNvSpPr>
+            <a:spLocks noGrp="1"/>
+          </p:cNvSpPr>
+          <p:nvPr>
+            <p:ph type="title"/>
+          </p:nvPr>
+        </p:nvSpPr>
+        <p:spPr>
+          <a:xfrm>
+            <a:off x="251586" y="244158"/>
+            <a:ext cx="8637831" cy="1339850"/>
+          </a:xfrm>
+        </p:spPr>
+        <p:txBody>
+          <a:bodyPr anchor="t"/>
+          <a:lstStyle/>
+          <a:p>
+            <a:pPr algn="l"/>
+            <a:r>
+              <a:rPr lang="en-US" dirty="0" smtClean="0"/>
+              <a:t>Folders for Components</a:t>
+            </a:r>
+            <a:endParaRPr lang="en-US" dirty="0"/>
+          </a:p>
+        </p:txBody>
+      </p:sp>
+      <p:sp>
+        <p:nvSpPr>
+          <p:cNvPr id="4" name="Rectangle 3"/>
+          <p:cNvSpPr/>
+          <p:nvPr/>
+        </p:nvSpPr>
+        <p:spPr>
+          <a:xfrm>
+            <a:off x="251586" y="2040996"/>
+            <a:ext cx="8105645" cy="1323439"/>
+          </a:xfrm>
+          <a:prstGeom prst="rect">
+            <a:avLst/>
+          </a:prstGeom>
+        </p:spPr>
+        <p:txBody>
+          <a:bodyPr wrap="square">
+            <a:spAutoFit/>
+          </a:bodyPr>
+          <a:lstStyle/>
+          <a:p>
+            <a:r>
+              <a:rPr lang="en-US" sz="2000" dirty="0">
+                <a:latin typeface="Lucida Sans" panose="020B0602030504020204" pitchFamily="34" charset="0"/>
+              </a:rPr>
+              <a:t>Component</a:t>
+            </a:r>
+          </a:p>
+          <a:p>
+            <a:pPr marL="800100" lvl="1" indent="-342900">
+              <a:buFont typeface="Arial" panose="020B0604020202020204" pitchFamily="34" charset="0"/>
+              <a:buChar char="•"/>
+            </a:pPr>
+            <a:r>
+              <a:rPr lang="en-US" sz="2000" dirty="0" smtClean="0">
+                <a:latin typeface="Lucida Sans" panose="020B0602030504020204" pitchFamily="34" charset="0"/>
+              </a:rPr>
+              <a:t>Create a folder for each of your components</a:t>
+            </a:r>
+          </a:p>
+          <a:p>
+            <a:pPr marL="800100" lvl="1" indent="-342900">
+              <a:buFont typeface="Arial" panose="020B0604020202020204" pitchFamily="34" charset="0"/>
+              <a:buChar char="•"/>
+            </a:pPr>
+            <a:r>
+              <a:rPr lang="en-US" sz="2000" dirty="0" smtClean="0">
+                <a:latin typeface="Lucida Sans" panose="020B0602030504020204" pitchFamily="34" charset="0"/>
+              </a:rPr>
+              <a:t>(including one for the whole coffee-machine)</a:t>
+            </a:r>
+          </a:p>
+          <a:p>
+            <a:pPr lvl="0"/>
+            <a:endParaRPr lang="en-US" sz="2000" dirty="0" smtClean="0">
+              <a:latin typeface="Lucida Sans" panose="020B0602030504020204" pitchFamily="34" charset="0"/>
+            </a:endParaRPr>
+          </a:p>
+        </p:txBody>
+      </p:sp>
+      <p:pic>
+        <p:nvPicPr>
+          <p:cNvPr id="3" name="Picture 2"/>
+          <p:cNvPicPr>
+            <a:picLocks noChangeAspect="1"/>
+          </p:cNvPicPr>
+          <p:nvPr/>
+        </p:nvPicPr>
+        <p:blipFill>
+          <a:blip r:embed="rId3"/>
+          <a:stretch>
+            <a:fillRect/>
+          </a:stretch>
+        </p:blipFill>
+        <p:spPr>
+          <a:xfrm>
+            <a:off x="991921" y="3023711"/>
+            <a:ext cx="4349624" cy="3547360"/>
+          </a:xfrm>
+          <a:prstGeom prst="rect">
+            <a:avLst/>
+          </a:prstGeom>
+        </p:spPr>
+      </p:pic>
+    </p:spTree>
+    <p:extLst>
+      <p:ext uri="{BB962C8B-B14F-4D97-AF65-F5344CB8AC3E}">
+        <p14:creationId xmlns:p14="http://schemas.microsoft.com/office/powerpoint/2010/main" val="3502286354"/>
       </p:ext>
     </p:extLst>
   </p:cSld>

--- a/DG_03 DRY-We need a coffee machine.pptx
+++ b/DG_03 DRY-We need a coffee machine.pptx
@@ -5,14 +5,17 @@
     <p:sldMasterId id="2147483739" r:id="rId1"/>
   </p:sldMasterIdLst>
   <p:notesMasterIdLst>
-    <p:notesMasterId r:id="rId7"/>
+    <p:notesMasterId r:id="rId10"/>
   </p:notesMasterIdLst>
   <p:sldIdLst>
     <p:sldId id="643" r:id="rId2"/>
     <p:sldId id="644" r:id="rId3"/>
     <p:sldId id="645" r:id="rId4"/>
     <p:sldId id="646" r:id="rId5"/>
-    <p:sldId id="648" r:id="rId6"/>
+    <p:sldId id="649" r:id="rId6"/>
+    <p:sldId id="650" r:id="rId7"/>
+    <p:sldId id="651" r:id="rId8"/>
+    <p:sldId id="648" r:id="rId9"/>
   </p:sldIdLst>
   <p:sldSz cx="9144000" cy="6858000" type="screen4x3"/>
   <p:notesSz cx="6858000" cy="9144000"/>
@@ -113,7 +116,7 @@
   </p:defaultTextStyle>
   <p:extLst>
     <p:ext uri="{EFAFB233-063F-42B5-8137-9DF3F51BA10A}">
-      <p15:sldGuideLst xmlns:p15="http://schemas.microsoft.com/office/powerpoint/2012/main">
+      <p15:sldGuideLst xmlns:p15="http://schemas.microsoft.com/office/powerpoint/2012/main" xmlns="">
         <p15:guide id="1" orient="horz" pos="2160">
           <p15:clr>
             <a:srgbClr val="A4A3A4"/>
@@ -798,6 +801,258 @@
             <a:fld id="{2D8A47E9-43C9-0F4F-9379-1746571B2494}" type="slidenum">
               <a:rPr lang="en-US" smtClean="0"/>
               <a:t>5</a:t>
+            </a:fld>
+            <a:endParaRPr lang="en-US"/>
+          </a:p>
+        </p:txBody>
+      </p:sp>
+    </p:spTree>
+    <p:extLst>
+      <p:ext uri="{BB962C8B-B14F-4D97-AF65-F5344CB8AC3E}">
+        <p14:creationId xmlns:p14="http://schemas.microsoft.com/office/powerpoint/2010/main" val="3988076159"/>
+      </p:ext>
+    </p:extLst>
+  </p:cSld>
+  <p:clrMapOvr>
+    <a:masterClrMapping/>
+  </p:clrMapOvr>
+</p:notes>
+</file>
+
+<file path=ppt/notesSlides/notesSlide5.xml><?xml version="1.0" encoding="utf-8"?>
+<p:notes xmlns:a="http://schemas.openxmlformats.org/drawingml/2006/main" xmlns:r="http://schemas.openxmlformats.org/officeDocument/2006/relationships" xmlns:p="http://schemas.openxmlformats.org/presentationml/2006/main">
+  <p:cSld>
+    <p:spTree>
+      <p:nvGrpSpPr>
+        <p:cNvPr id="1" name=""/>
+        <p:cNvGrpSpPr/>
+        <p:nvPr/>
+      </p:nvGrpSpPr>
+      <p:grpSpPr>
+        <a:xfrm>
+          <a:off x="0" y="0"/>
+          <a:ext cx="0" cy="0"/>
+          <a:chOff x="0" y="0"/>
+          <a:chExt cx="0" cy="0"/>
+        </a:xfrm>
+      </p:grpSpPr>
+      <p:sp>
+        <p:nvSpPr>
+          <p:cNvPr id="2" name="Slide Image Placeholder 1"/>
+          <p:cNvSpPr>
+            <a:spLocks noGrp="1" noRot="1" noChangeAspect="1"/>
+          </p:cNvSpPr>
+          <p:nvPr>
+            <p:ph type="sldImg"/>
+          </p:nvPr>
+        </p:nvSpPr>
+        <p:spPr/>
+      </p:sp>
+      <p:sp>
+        <p:nvSpPr>
+          <p:cNvPr id="3" name="Notes Placeholder 2"/>
+          <p:cNvSpPr>
+            <a:spLocks noGrp="1"/>
+          </p:cNvSpPr>
+          <p:nvPr>
+            <p:ph type="body" idx="1"/>
+          </p:nvPr>
+        </p:nvSpPr>
+        <p:spPr/>
+        <p:txBody>
+          <a:bodyPr/>
+          <a:lstStyle/>
+          <a:p>
+            <a:endParaRPr lang="en-US" dirty="0"/>
+          </a:p>
+        </p:txBody>
+      </p:sp>
+      <p:sp>
+        <p:nvSpPr>
+          <p:cNvPr id="4" name="Slide Number Placeholder 3"/>
+          <p:cNvSpPr>
+            <a:spLocks noGrp="1"/>
+          </p:cNvSpPr>
+          <p:nvPr>
+            <p:ph type="sldNum" sz="quarter" idx="10"/>
+          </p:nvPr>
+        </p:nvSpPr>
+        <p:spPr/>
+        <p:txBody>
+          <a:bodyPr/>
+          <a:lstStyle/>
+          <a:p>
+            <a:fld id="{2D8A47E9-43C9-0F4F-9379-1746571B2494}" type="slidenum">
+              <a:rPr lang="en-US" smtClean="0"/>
+              <a:t>6</a:t>
+            </a:fld>
+            <a:endParaRPr lang="en-US"/>
+          </a:p>
+        </p:txBody>
+      </p:sp>
+    </p:spTree>
+    <p:extLst>
+      <p:ext uri="{BB962C8B-B14F-4D97-AF65-F5344CB8AC3E}">
+        <p14:creationId xmlns:p14="http://schemas.microsoft.com/office/powerpoint/2010/main" val="3988076159"/>
+      </p:ext>
+    </p:extLst>
+  </p:cSld>
+  <p:clrMapOvr>
+    <a:masterClrMapping/>
+  </p:clrMapOvr>
+</p:notes>
+</file>
+
+<file path=ppt/notesSlides/notesSlide6.xml><?xml version="1.0" encoding="utf-8"?>
+<p:notes xmlns:a="http://schemas.openxmlformats.org/drawingml/2006/main" xmlns:r="http://schemas.openxmlformats.org/officeDocument/2006/relationships" xmlns:p="http://schemas.openxmlformats.org/presentationml/2006/main">
+  <p:cSld>
+    <p:spTree>
+      <p:nvGrpSpPr>
+        <p:cNvPr id="1" name=""/>
+        <p:cNvGrpSpPr/>
+        <p:nvPr/>
+      </p:nvGrpSpPr>
+      <p:grpSpPr>
+        <a:xfrm>
+          <a:off x="0" y="0"/>
+          <a:ext cx="0" cy="0"/>
+          <a:chOff x="0" y="0"/>
+          <a:chExt cx="0" cy="0"/>
+        </a:xfrm>
+      </p:grpSpPr>
+      <p:sp>
+        <p:nvSpPr>
+          <p:cNvPr id="2" name="Slide Image Placeholder 1"/>
+          <p:cNvSpPr>
+            <a:spLocks noGrp="1" noRot="1" noChangeAspect="1"/>
+          </p:cNvSpPr>
+          <p:nvPr>
+            <p:ph type="sldImg"/>
+          </p:nvPr>
+        </p:nvSpPr>
+        <p:spPr/>
+      </p:sp>
+      <p:sp>
+        <p:nvSpPr>
+          <p:cNvPr id="3" name="Notes Placeholder 2"/>
+          <p:cNvSpPr>
+            <a:spLocks noGrp="1"/>
+          </p:cNvSpPr>
+          <p:nvPr>
+            <p:ph type="body" idx="1"/>
+          </p:nvPr>
+        </p:nvSpPr>
+        <p:spPr/>
+        <p:txBody>
+          <a:bodyPr/>
+          <a:lstStyle/>
+          <a:p>
+            <a:endParaRPr lang="en-US" dirty="0"/>
+          </a:p>
+        </p:txBody>
+      </p:sp>
+      <p:sp>
+        <p:nvSpPr>
+          <p:cNvPr id="4" name="Slide Number Placeholder 3"/>
+          <p:cNvSpPr>
+            <a:spLocks noGrp="1"/>
+          </p:cNvSpPr>
+          <p:nvPr>
+            <p:ph type="sldNum" sz="quarter" idx="10"/>
+          </p:nvPr>
+        </p:nvSpPr>
+        <p:spPr/>
+        <p:txBody>
+          <a:bodyPr/>
+          <a:lstStyle/>
+          <a:p>
+            <a:fld id="{2D8A47E9-43C9-0F4F-9379-1746571B2494}" type="slidenum">
+              <a:rPr lang="en-US" smtClean="0"/>
+              <a:t>7</a:t>
+            </a:fld>
+            <a:endParaRPr lang="en-US"/>
+          </a:p>
+        </p:txBody>
+      </p:sp>
+    </p:spTree>
+    <p:extLst>
+      <p:ext uri="{BB962C8B-B14F-4D97-AF65-F5344CB8AC3E}">
+        <p14:creationId xmlns:p14="http://schemas.microsoft.com/office/powerpoint/2010/main" val="3988076159"/>
+      </p:ext>
+    </p:extLst>
+  </p:cSld>
+  <p:clrMapOvr>
+    <a:masterClrMapping/>
+  </p:clrMapOvr>
+</p:notes>
+</file>
+
+<file path=ppt/notesSlides/notesSlide7.xml><?xml version="1.0" encoding="utf-8"?>
+<p:notes xmlns:a="http://schemas.openxmlformats.org/drawingml/2006/main" xmlns:r="http://schemas.openxmlformats.org/officeDocument/2006/relationships" xmlns:p="http://schemas.openxmlformats.org/presentationml/2006/main">
+  <p:cSld>
+    <p:spTree>
+      <p:nvGrpSpPr>
+        <p:cNvPr id="1" name=""/>
+        <p:cNvGrpSpPr/>
+        <p:nvPr/>
+      </p:nvGrpSpPr>
+      <p:grpSpPr>
+        <a:xfrm>
+          <a:off x="0" y="0"/>
+          <a:ext cx="0" cy="0"/>
+          <a:chOff x="0" y="0"/>
+          <a:chExt cx="0" cy="0"/>
+        </a:xfrm>
+      </p:grpSpPr>
+      <p:sp>
+        <p:nvSpPr>
+          <p:cNvPr id="2" name="Slide Image Placeholder 1"/>
+          <p:cNvSpPr>
+            <a:spLocks noGrp="1" noRot="1" noChangeAspect="1"/>
+          </p:cNvSpPr>
+          <p:nvPr>
+            <p:ph type="sldImg"/>
+          </p:nvPr>
+        </p:nvSpPr>
+        <p:spPr/>
+      </p:sp>
+      <p:sp>
+        <p:nvSpPr>
+          <p:cNvPr id="3" name="Notes Placeholder 2"/>
+          <p:cNvSpPr>
+            <a:spLocks noGrp="1"/>
+          </p:cNvSpPr>
+          <p:nvPr>
+            <p:ph type="body" idx="1"/>
+          </p:nvPr>
+        </p:nvSpPr>
+        <p:spPr/>
+        <p:txBody>
+          <a:bodyPr/>
+          <a:lstStyle/>
+          <a:p>
+            <a:endParaRPr lang="en-US" dirty="0"/>
+          </a:p>
+        </p:txBody>
+      </p:sp>
+      <p:sp>
+        <p:nvSpPr>
+          <p:cNvPr id="4" name="Slide Number Placeholder 3"/>
+          <p:cNvSpPr>
+            <a:spLocks noGrp="1"/>
+          </p:cNvSpPr>
+          <p:nvPr>
+            <p:ph type="sldNum" sz="quarter" idx="10"/>
+          </p:nvPr>
+        </p:nvSpPr>
+        <p:spPr/>
+        <p:txBody>
+          <a:bodyPr/>
+          <a:lstStyle/>
+          <a:p>
+            <a:fld id="{2D8A47E9-43C9-0F4F-9379-1746571B2494}" type="slidenum">
+              <a:rPr lang="en-US" smtClean="0"/>
+              <a:t>8</a:t>
             </a:fld>
             <a:endParaRPr lang="en-US"/>
           </a:p>
@@ -15943,6 +16198,1279 @@
           <a:p>
             <a:pPr algn="l"/>
             <a:r>
+              <a:rPr lang="en-US" smtClean="0"/>
+              <a:t>Flow</a:t>
+            </a:r>
+            <a:endParaRPr lang="en-US" dirty="0"/>
+          </a:p>
+        </p:txBody>
+      </p:sp>
+      <p:sp>
+        <p:nvSpPr>
+          <p:cNvPr id="3" name="Rounded Rectangle 2"/>
+          <p:cNvSpPr/>
+          <p:nvPr/>
+        </p:nvSpPr>
+        <p:spPr>
+          <a:xfrm>
+            <a:off x="1129004" y="1931437"/>
+            <a:ext cx="1222310" cy="541175"/>
+          </a:xfrm>
+          <a:prstGeom prst="roundRect">
+            <a:avLst/>
+          </a:prstGeom>
+        </p:spPr>
+        <p:style>
+          <a:lnRef idx="2">
+            <a:schemeClr val="accent1">
+              <a:shade val="50000"/>
+            </a:schemeClr>
+          </a:lnRef>
+          <a:fillRef idx="1">
+            <a:schemeClr val="accent1"/>
+          </a:fillRef>
+          <a:effectRef idx="0">
+            <a:schemeClr val="accent1"/>
+          </a:effectRef>
+          <a:fontRef idx="minor">
+            <a:schemeClr val="lt1"/>
+          </a:fontRef>
+        </p:style>
+        <p:txBody>
+          <a:bodyPr rtlCol="0" anchor="ctr"/>
+          <a:lstStyle/>
+          <a:p>
+            <a:pPr algn="ctr"/>
+            <a:r>
+              <a:rPr lang="en-GB" smtClean="0"/>
+              <a:t>Turn on</a:t>
+            </a:r>
+            <a:endParaRPr lang="en-GB"/>
+          </a:p>
+        </p:txBody>
+      </p:sp>
+      <p:sp>
+        <p:nvSpPr>
+          <p:cNvPr id="5" name="Flowchart: Decision 4"/>
+          <p:cNvSpPr/>
+          <p:nvPr/>
+        </p:nvSpPr>
+        <p:spPr>
+          <a:xfrm>
+            <a:off x="1567543" y="2808514"/>
+            <a:ext cx="2080726" cy="1147666"/>
+          </a:xfrm>
+          <a:prstGeom prst="flowChartDecision">
+            <a:avLst/>
+          </a:prstGeom>
+        </p:spPr>
+        <p:style>
+          <a:lnRef idx="2">
+            <a:schemeClr val="accent1">
+              <a:shade val="50000"/>
+            </a:schemeClr>
+          </a:lnRef>
+          <a:fillRef idx="1">
+            <a:schemeClr val="accent1"/>
+          </a:fillRef>
+          <a:effectRef idx="0">
+            <a:schemeClr val="accent1"/>
+          </a:effectRef>
+          <a:fontRef idx="minor">
+            <a:schemeClr val="lt1"/>
+          </a:fontRef>
+        </p:style>
+        <p:txBody>
+          <a:bodyPr rtlCol="0" anchor="ctr"/>
+          <a:lstStyle/>
+          <a:p>
+            <a:pPr algn="ctr"/>
+            <a:r>
+              <a:rPr lang="en-GB" smtClean="0"/>
+              <a:t>Hoppers OK?</a:t>
+            </a:r>
+            <a:endParaRPr lang="en-GB"/>
+          </a:p>
+        </p:txBody>
+      </p:sp>
+      <p:sp>
+        <p:nvSpPr>
+          <p:cNvPr id="6" name="Rounded Rectangle 5"/>
+          <p:cNvSpPr/>
+          <p:nvPr/>
+        </p:nvSpPr>
+        <p:spPr>
+          <a:xfrm>
+            <a:off x="1996751" y="4385388"/>
+            <a:ext cx="1222310" cy="541175"/>
+          </a:xfrm>
+          <a:prstGeom prst="roundRect">
+            <a:avLst/>
+          </a:prstGeom>
+        </p:spPr>
+        <p:style>
+          <a:lnRef idx="2">
+            <a:schemeClr val="accent1">
+              <a:shade val="50000"/>
+            </a:schemeClr>
+          </a:lnRef>
+          <a:fillRef idx="1">
+            <a:schemeClr val="accent1"/>
+          </a:fillRef>
+          <a:effectRef idx="0">
+            <a:schemeClr val="accent1"/>
+          </a:effectRef>
+          <a:fontRef idx="minor">
+            <a:schemeClr val="lt1"/>
+          </a:fontRef>
+        </p:style>
+        <p:txBody>
+          <a:bodyPr rtlCol="0" anchor="ctr"/>
+          <a:lstStyle/>
+          <a:p>
+            <a:pPr algn="ctr"/>
+            <a:r>
+              <a:rPr lang="en-GB" smtClean="0"/>
+              <a:t>Get Request</a:t>
+            </a:r>
+            <a:endParaRPr lang="en-GB"/>
+          </a:p>
+        </p:txBody>
+      </p:sp>
+      <p:sp>
+        <p:nvSpPr>
+          <p:cNvPr id="7" name="Rounded Rectangle 6"/>
+          <p:cNvSpPr/>
+          <p:nvPr/>
+        </p:nvSpPr>
+        <p:spPr>
+          <a:xfrm>
+            <a:off x="1944967" y="5309119"/>
+            <a:ext cx="1344541" cy="541175"/>
+          </a:xfrm>
+          <a:prstGeom prst="roundRect">
+            <a:avLst/>
+          </a:prstGeom>
+        </p:spPr>
+        <p:style>
+          <a:lnRef idx="2">
+            <a:schemeClr val="accent1">
+              <a:shade val="50000"/>
+            </a:schemeClr>
+          </a:lnRef>
+          <a:fillRef idx="1">
+            <a:schemeClr val="accent1"/>
+          </a:fillRef>
+          <a:effectRef idx="0">
+            <a:schemeClr val="accent1"/>
+          </a:effectRef>
+          <a:fontRef idx="minor">
+            <a:schemeClr val="lt1"/>
+          </a:fontRef>
+        </p:style>
+        <p:txBody>
+          <a:bodyPr rtlCol="0" anchor="ctr"/>
+          <a:lstStyle/>
+          <a:p>
+            <a:pPr algn="ctr"/>
+            <a:r>
+              <a:rPr lang="en-GB" smtClean="0"/>
+              <a:t>Take</a:t>
+            </a:r>
+          </a:p>
+          <a:p>
+            <a:pPr algn="ctr"/>
+            <a:r>
+              <a:rPr lang="en-GB" smtClean="0"/>
+              <a:t>Payment</a:t>
+            </a:r>
+            <a:endParaRPr lang="en-GB"/>
+          </a:p>
+        </p:txBody>
+      </p:sp>
+      <p:sp>
+        <p:nvSpPr>
+          <p:cNvPr id="8" name="Rounded Rectangle 7"/>
+          <p:cNvSpPr/>
+          <p:nvPr/>
+        </p:nvSpPr>
+        <p:spPr>
+          <a:xfrm>
+            <a:off x="4581331" y="3111759"/>
+            <a:ext cx="1222310" cy="541175"/>
+          </a:xfrm>
+          <a:prstGeom prst="roundRect">
+            <a:avLst/>
+          </a:prstGeom>
+        </p:spPr>
+        <p:style>
+          <a:lnRef idx="2">
+            <a:schemeClr val="accent1">
+              <a:shade val="50000"/>
+            </a:schemeClr>
+          </a:lnRef>
+          <a:fillRef idx="1">
+            <a:schemeClr val="accent1"/>
+          </a:fillRef>
+          <a:effectRef idx="0">
+            <a:schemeClr val="accent1"/>
+          </a:effectRef>
+          <a:fontRef idx="minor">
+            <a:schemeClr val="lt1"/>
+          </a:fontRef>
+        </p:style>
+        <p:txBody>
+          <a:bodyPr rtlCol="0" anchor="ctr"/>
+          <a:lstStyle/>
+          <a:p>
+            <a:pPr algn="ctr"/>
+            <a:r>
+              <a:rPr lang="en-GB" smtClean="0"/>
+              <a:t>Refill Hoppers</a:t>
+            </a:r>
+            <a:endParaRPr lang="en-GB"/>
+          </a:p>
+        </p:txBody>
+      </p:sp>
+      <p:cxnSp>
+        <p:nvCxnSpPr>
+          <p:cNvPr id="10" name="Elbow Connector 9"/>
+          <p:cNvCxnSpPr>
+            <a:stCxn id="3" idx="2"/>
+            <a:endCxn id="5" idx="0"/>
+          </p:cNvCxnSpPr>
+          <p:nvPr/>
+        </p:nvCxnSpPr>
+        <p:spPr>
+          <a:xfrm rot="16200000" flipH="1">
+            <a:off x="2006081" y="2206689"/>
+            <a:ext cx="335902" cy="867747"/>
+          </a:xfrm>
+          <a:prstGeom prst="bentConnector3">
+            <a:avLst/>
+          </a:prstGeom>
+          <a:ln w="28575">
+            <a:tailEnd type="arrow"/>
+          </a:ln>
+        </p:spPr>
+        <p:style>
+          <a:lnRef idx="1">
+            <a:schemeClr val="accent1"/>
+          </a:lnRef>
+          <a:fillRef idx="0">
+            <a:schemeClr val="accent1"/>
+          </a:fillRef>
+          <a:effectRef idx="0">
+            <a:schemeClr val="accent1"/>
+          </a:effectRef>
+          <a:fontRef idx="minor">
+            <a:schemeClr val="tx1"/>
+          </a:fontRef>
+        </p:style>
+      </p:cxnSp>
+      <p:cxnSp>
+        <p:nvCxnSpPr>
+          <p:cNvPr id="11" name="Elbow Connector 10"/>
+          <p:cNvCxnSpPr>
+            <a:stCxn id="5" idx="3"/>
+            <a:endCxn id="8" idx="1"/>
+          </p:cNvCxnSpPr>
+          <p:nvPr/>
+        </p:nvCxnSpPr>
+        <p:spPr>
+          <a:xfrm>
+            <a:off x="3648269" y="3382347"/>
+            <a:ext cx="933062" cy="12700"/>
+          </a:xfrm>
+          <a:prstGeom prst="bentConnector3">
+            <a:avLst/>
+          </a:prstGeom>
+          <a:ln w="28575">
+            <a:tailEnd type="arrow"/>
+          </a:ln>
+        </p:spPr>
+        <p:style>
+          <a:lnRef idx="1">
+            <a:schemeClr val="accent1"/>
+          </a:lnRef>
+          <a:fillRef idx="0">
+            <a:schemeClr val="accent1"/>
+          </a:fillRef>
+          <a:effectRef idx="0">
+            <a:schemeClr val="accent1"/>
+          </a:effectRef>
+          <a:fontRef idx="minor">
+            <a:schemeClr val="tx1"/>
+          </a:fontRef>
+        </p:style>
+      </p:cxnSp>
+      <p:cxnSp>
+        <p:nvCxnSpPr>
+          <p:cNvPr id="14" name="Elbow Connector 13"/>
+          <p:cNvCxnSpPr>
+            <a:stCxn id="5" idx="2"/>
+            <a:endCxn id="6" idx="0"/>
+          </p:cNvCxnSpPr>
+          <p:nvPr/>
+        </p:nvCxnSpPr>
+        <p:spPr>
+          <a:xfrm rot="5400000">
+            <a:off x="2393302" y="4170784"/>
+            <a:ext cx="429208" cy="12700"/>
+          </a:xfrm>
+          <a:prstGeom prst="bentConnector3">
+            <a:avLst>
+              <a:gd name="adj1" fmla="val 50000"/>
+            </a:avLst>
+          </a:prstGeom>
+          <a:ln w="28575">
+            <a:tailEnd type="arrow"/>
+          </a:ln>
+        </p:spPr>
+        <p:style>
+          <a:lnRef idx="1">
+            <a:schemeClr val="accent1"/>
+          </a:lnRef>
+          <a:fillRef idx="0">
+            <a:schemeClr val="accent1"/>
+          </a:fillRef>
+          <a:effectRef idx="0">
+            <a:schemeClr val="accent1"/>
+          </a:effectRef>
+          <a:fontRef idx="minor">
+            <a:schemeClr val="tx1"/>
+          </a:fontRef>
+        </p:style>
+      </p:cxnSp>
+      <p:cxnSp>
+        <p:nvCxnSpPr>
+          <p:cNvPr id="17" name="Elbow Connector 16"/>
+          <p:cNvCxnSpPr>
+            <a:stCxn id="6" idx="2"/>
+            <a:endCxn id="7" idx="0"/>
+          </p:cNvCxnSpPr>
+          <p:nvPr/>
+        </p:nvCxnSpPr>
+        <p:spPr>
+          <a:xfrm rot="16200000" flipH="1">
+            <a:off x="2421294" y="5113175"/>
+            <a:ext cx="382556" cy="9332"/>
+          </a:xfrm>
+          <a:prstGeom prst="bentConnector3">
+            <a:avLst>
+              <a:gd name="adj1" fmla="val 50000"/>
+            </a:avLst>
+          </a:prstGeom>
+          <a:ln w="28575">
+            <a:tailEnd type="arrow"/>
+          </a:ln>
+        </p:spPr>
+        <p:style>
+          <a:lnRef idx="1">
+            <a:schemeClr val="accent1"/>
+          </a:lnRef>
+          <a:fillRef idx="0">
+            <a:schemeClr val="accent1"/>
+          </a:fillRef>
+          <a:effectRef idx="0">
+            <a:schemeClr val="accent1"/>
+          </a:effectRef>
+          <a:fontRef idx="minor">
+            <a:schemeClr val="tx1"/>
+          </a:fontRef>
+        </p:style>
+      </p:cxnSp>
+      <p:cxnSp>
+        <p:nvCxnSpPr>
+          <p:cNvPr id="20" name="Elbow Connector 19"/>
+          <p:cNvCxnSpPr>
+            <a:stCxn id="8" idx="3"/>
+          </p:cNvCxnSpPr>
+          <p:nvPr/>
+        </p:nvCxnSpPr>
+        <p:spPr>
+          <a:xfrm flipH="1" flipV="1">
+            <a:off x="2601556" y="2640562"/>
+            <a:ext cx="3202085" cy="741785"/>
+          </a:xfrm>
+          <a:prstGeom prst="bentConnector3">
+            <a:avLst>
+              <a:gd name="adj1" fmla="val -7139"/>
+            </a:avLst>
+          </a:prstGeom>
+          <a:ln w="28575">
+            <a:tailEnd type="arrow"/>
+          </a:ln>
+        </p:spPr>
+        <p:style>
+          <a:lnRef idx="1">
+            <a:schemeClr val="accent1"/>
+          </a:lnRef>
+          <a:fillRef idx="0">
+            <a:schemeClr val="accent1"/>
+          </a:fillRef>
+          <a:effectRef idx="0">
+            <a:schemeClr val="accent1"/>
+          </a:effectRef>
+          <a:fontRef idx="minor">
+            <a:schemeClr val="tx1"/>
+          </a:fontRef>
+        </p:style>
+      </p:cxnSp>
+    </p:spTree>
+    <p:extLst>
+      <p:ext uri="{BB962C8B-B14F-4D97-AF65-F5344CB8AC3E}">
+        <p14:creationId xmlns:p14="http://schemas.microsoft.com/office/powerpoint/2010/main" val="1025551975"/>
+      </p:ext>
+    </p:extLst>
+  </p:cSld>
+  <p:clrMapOvr>
+    <a:masterClrMapping/>
+  </p:clrMapOvr>
+  <p:timing>
+    <p:tnLst>
+      <p:par>
+        <p:cTn id="1" dur="indefinite" restart="never" nodeType="tmRoot"/>
+      </p:par>
+    </p:tnLst>
+  </p:timing>
+</p:sld>
+</file>
+
+<file path=ppt/slides/slide6.xml><?xml version="1.0" encoding="utf-8"?>
+<p:sld xmlns:a="http://schemas.openxmlformats.org/drawingml/2006/main" xmlns:r="http://schemas.openxmlformats.org/officeDocument/2006/relationships" xmlns:p="http://schemas.openxmlformats.org/presentationml/2006/main">
+  <p:cSld>
+    <p:spTree>
+      <p:nvGrpSpPr>
+        <p:cNvPr id="1" name=""/>
+        <p:cNvGrpSpPr/>
+        <p:nvPr/>
+      </p:nvGrpSpPr>
+      <p:grpSpPr>
+        <a:xfrm>
+          <a:off x="0" y="0"/>
+          <a:ext cx="0" cy="0"/>
+          <a:chOff x="0" y="0"/>
+          <a:chExt cx="0" cy="0"/>
+        </a:xfrm>
+      </p:grpSpPr>
+      <p:sp>
+        <p:nvSpPr>
+          <p:cNvPr id="2" name="Title 1"/>
+          <p:cNvSpPr>
+            <a:spLocks noGrp="1"/>
+          </p:cNvSpPr>
+          <p:nvPr>
+            <p:ph type="title"/>
+          </p:nvPr>
+        </p:nvSpPr>
+        <p:spPr>
+          <a:xfrm>
+            <a:off x="251586" y="244158"/>
+            <a:ext cx="8637831" cy="1339850"/>
+          </a:xfrm>
+        </p:spPr>
+        <p:txBody>
+          <a:bodyPr anchor="t"/>
+          <a:lstStyle/>
+          <a:p>
+            <a:pPr algn="l"/>
+            <a:r>
+              <a:rPr lang="en-US" smtClean="0"/>
+              <a:t>State</a:t>
+            </a:r>
+            <a:endParaRPr lang="en-US" dirty="0"/>
+          </a:p>
+        </p:txBody>
+      </p:sp>
+      <p:sp>
+        <p:nvSpPr>
+          <p:cNvPr id="3" name="Rounded Rectangle 2"/>
+          <p:cNvSpPr/>
+          <p:nvPr/>
+        </p:nvSpPr>
+        <p:spPr>
+          <a:xfrm>
+            <a:off x="2533737" y="2472612"/>
+            <a:ext cx="1222310" cy="541175"/>
+          </a:xfrm>
+          <a:prstGeom prst="roundRect">
+            <a:avLst/>
+          </a:prstGeom>
+        </p:spPr>
+        <p:style>
+          <a:lnRef idx="2">
+            <a:schemeClr val="accent1">
+              <a:shade val="50000"/>
+            </a:schemeClr>
+          </a:lnRef>
+          <a:fillRef idx="1">
+            <a:schemeClr val="accent1"/>
+          </a:fillRef>
+          <a:effectRef idx="0">
+            <a:schemeClr val="accent1"/>
+          </a:effectRef>
+          <a:fontRef idx="minor">
+            <a:schemeClr val="lt1"/>
+          </a:fontRef>
+        </p:style>
+        <p:txBody>
+          <a:bodyPr rtlCol="0" anchor="ctr"/>
+          <a:lstStyle/>
+          <a:p>
+            <a:pPr algn="ctr"/>
+            <a:r>
+              <a:rPr lang="en-GB" smtClean="0"/>
+              <a:t>Off</a:t>
+            </a:r>
+            <a:endParaRPr lang="en-GB"/>
+          </a:p>
+        </p:txBody>
+      </p:sp>
+      <p:sp>
+        <p:nvSpPr>
+          <p:cNvPr id="6" name="Rounded Rectangle 5"/>
+          <p:cNvSpPr/>
+          <p:nvPr/>
+        </p:nvSpPr>
+        <p:spPr>
+          <a:xfrm>
+            <a:off x="2533732" y="4373076"/>
+            <a:ext cx="1222310" cy="541175"/>
+          </a:xfrm>
+          <a:prstGeom prst="roundRect">
+            <a:avLst/>
+          </a:prstGeom>
+        </p:spPr>
+        <p:style>
+          <a:lnRef idx="2">
+            <a:schemeClr val="accent1">
+              <a:shade val="50000"/>
+            </a:schemeClr>
+          </a:lnRef>
+          <a:fillRef idx="1">
+            <a:schemeClr val="accent1"/>
+          </a:fillRef>
+          <a:effectRef idx="0">
+            <a:schemeClr val="accent1"/>
+          </a:effectRef>
+          <a:fontRef idx="minor">
+            <a:schemeClr val="lt1"/>
+          </a:fontRef>
+        </p:style>
+        <p:txBody>
+          <a:bodyPr rtlCol="0" anchor="ctr"/>
+          <a:lstStyle/>
+          <a:p>
+            <a:pPr algn="ctr"/>
+            <a:r>
+              <a:rPr lang="en-GB" smtClean="0"/>
+              <a:t>Request OK</a:t>
+            </a:r>
+            <a:endParaRPr lang="en-GB"/>
+          </a:p>
+        </p:txBody>
+      </p:sp>
+      <p:sp>
+        <p:nvSpPr>
+          <p:cNvPr id="7" name="Rounded Rectangle 6"/>
+          <p:cNvSpPr/>
+          <p:nvPr/>
+        </p:nvSpPr>
+        <p:spPr>
+          <a:xfrm>
+            <a:off x="2481948" y="5296807"/>
+            <a:ext cx="1344541" cy="541175"/>
+          </a:xfrm>
+          <a:prstGeom prst="roundRect">
+            <a:avLst/>
+          </a:prstGeom>
+        </p:spPr>
+        <p:style>
+          <a:lnRef idx="2">
+            <a:schemeClr val="accent1">
+              <a:shade val="50000"/>
+            </a:schemeClr>
+          </a:lnRef>
+          <a:fillRef idx="1">
+            <a:schemeClr val="accent1"/>
+          </a:fillRef>
+          <a:effectRef idx="0">
+            <a:schemeClr val="accent1"/>
+          </a:effectRef>
+          <a:fontRef idx="minor">
+            <a:schemeClr val="lt1"/>
+          </a:fontRef>
+        </p:style>
+        <p:txBody>
+          <a:bodyPr rtlCol="0" anchor="ctr"/>
+          <a:lstStyle/>
+          <a:p>
+            <a:pPr algn="ctr"/>
+            <a:r>
+              <a:rPr lang="en-GB" smtClean="0"/>
+              <a:t>Payment OK</a:t>
+            </a:r>
+            <a:endParaRPr lang="en-GB"/>
+          </a:p>
+        </p:txBody>
+      </p:sp>
+      <p:sp>
+        <p:nvSpPr>
+          <p:cNvPr id="8" name="Rounded Rectangle 7"/>
+          <p:cNvSpPr/>
+          <p:nvPr/>
+        </p:nvSpPr>
+        <p:spPr>
+          <a:xfrm>
+            <a:off x="2533732" y="3390382"/>
+            <a:ext cx="1222310" cy="541175"/>
+          </a:xfrm>
+          <a:prstGeom prst="roundRect">
+            <a:avLst/>
+          </a:prstGeom>
+        </p:spPr>
+        <p:style>
+          <a:lnRef idx="2">
+            <a:schemeClr val="accent1">
+              <a:shade val="50000"/>
+            </a:schemeClr>
+          </a:lnRef>
+          <a:fillRef idx="1">
+            <a:schemeClr val="accent1"/>
+          </a:fillRef>
+          <a:effectRef idx="0">
+            <a:schemeClr val="accent1"/>
+          </a:effectRef>
+          <a:fontRef idx="minor">
+            <a:schemeClr val="lt1"/>
+          </a:fontRef>
+        </p:style>
+        <p:txBody>
+          <a:bodyPr rtlCol="0" anchor="ctr"/>
+          <a:lstStyle/>
+          <a:p>
+            <a:pPr algn="ctr"/>
+            <a:r>
+              <a:rPr lang="en-GB" smtClean="0"/>
+              <a:t>Hoppers OK</a:t>
+            </a:r>
+            <a:endParaRPr lang="en-GB"/>
+          </a:p>
+        </p:txBody>
+      </p:sp>
+      <p:cxnSp>
+        <p:nvCxnSpPr>
+          <p:cNvPr id="10" name="Elbow Connector 9"/>
+          <p:cNvCxnSpPr>
+            <a:stCxn id="3" idx="2"/>
+            <a:endCxn id="8" idx="0"/>
+          </p:cNvCxnSpPr>
+          <p:nvPr/>
+        </p:nvCxnSpPr>
+        <p:spPr>
+          <a:xfrm rot="5400000">
+            <a:off x="2956593" y="3202082"/>
+            <a:ext cx="376595" cy="5"/>
+          </a:xfrm>
+          <a:prstGeom prst="bentConnector3">
+            <a:avLst/>
+          </a:prstGeom>
+          <a:ln w="28575">
+            <a:tailEnd type="arrow"/>
+          </a:ln>
+        </p:spPr>
+        <p:style>
+          <a:lnRef idx="1">
+            <a:schemeClr val="accent1"/>
+          </a:lnRef>
+          <a:fillRef idx="0">
+            <a:schemeClr val="accent1"/>
+          </a:fillRef>
+          <a:effectRef idx="0">
+            <a:schemeClr val="accent1"/>
+          </a:effectRef>
+          <a:fontRef idx="minor">
+            <a:schemeClr val="tx1"/>
+          </a:fontRef>
+        </p:style>
+      </p:cxnSp>
+      <p:cxnSp>
+        <p:nvCxnSpPr>
+          <p:cNvPr id="14" name="Elbow Connector 13"/>
+          <p:cNvCxnSpPr>
+            <a:stCxn id="8" idx="2"/>
+            <a:endCxn id="6" idx="0"/>
+          </p:cNvCxnSpPr>
+          <p:nvPr/>
+        </p:nvCxnSpPr>
+        <p:spPr>
+          <a:xfrm rot="5400000">
+            <a:off x="2924128" y="4152316"/>
+            <a:ext cx="441519" cy="12700"/>
+          </a:xfrm>
+          <a:prstGeom prst="bentConnector3">
+            <a:avLst>
+              <a:gd name="adj1" fmla="val 50000"/>
+            </a:avLst>
+          </a:prstGeom>
+          <a:ln w="28575">
+            <a:tailEnd type="arrow"/>
+          </a:ln>
+        </p:spPr>
+        <p:style>
+          <a:lnRef idx="1">
+            <a:schemeClr val="accent1"/>
+          </a:lnRef>
+          <a:fillRef idx="0">
+            <a:schemeClr val="accent1"/>
+          </a:fillRef>
+          <a:effectRef idx="0">
+            <a:schemeClr val="accent1"/>
+          </a:effectRef>
+          <a:fontRef idx="minor">
+            <a:schemeClr val="tx1"/>
+          </a:fontRef>
+        </p:style>
+      </p:cxnSp>
+      <p:cxnSp>
+        <p:nvCxnSpPr>
+          <p:cNvPr id="17" name="Elbow Connector 16"/>
+          <p:cNvCxnSpPr>
+            <a:stCxn id="6" idx="2"/>
+            <a:endCxn id="7" idx="0"/>
+          </p:cNvCxnSpPr>
+          <p:nvPr/>
+        </p:nvCxnSpPr>
+        <p:spPr>
+          <a:xfrm rot="16200000" flipH="1">
+            <a:off x="2958275" y="5100863"/>
+            <a:ext cx="382556" cy="9332"/>
+          </a:xfrm>
+          <a:prstGeom prst="bentConnector3">
+            <a:avLst>
+              <a:gd name="adj1" fmla="val 50000"/>
+            </a:avLst>
+          </a:prstGeom>
+          <a:ln w="28575">
+            <a:tailEnd type="arrow"/>
+          </a:ln>
+        </p:spPr>
+        <p:style>
+          <a:lnRef idx="1">
+            <a:schemeClr val="accent1"/>
+          </a:lnRef>
+          <a:fillRef idx="0">
+            <a:schemeClr val="accent1"/>
+          </a:fillRef>
+          <a:effectRef idx="0">
+            <a:schemeClr val="accent1"/>
+          </a:effectRef>
+          <a:fontRef idx="minor">
+            <a:schemeClr val="tx1"/>
+          </a:fontRef>
+        </p:style>
+      </p:cxnSp>
+    </p:spTree>
+    <p:extLst>
+      <p:ext uri="{BB962C8B-B14F-4D97-AF65-F5344CB8AC3E}">
+        <p14:creationId xmlns:p14="http://schemas.microsoft.com/office/powerpoint/2010/main" val="3892428464"/>
+      </p:ext>
+    </p:extLst>
+  </p:cSld>
+  <p:clrMapOvr>
+    <a:masterClrMapping/>
+  </p:clrMapOvr>
+  <p:timing>
+    <p:tnLst>
+      <p:par>
+        <p:cTn id="1" dur="indefinite" restart="never" nodeType="tmRoot"/>
+      </p:par>
+    </p:tnLst>
+  </p:timing>
+</p:sld>
+</file>
+
+<file path=ppt/slides/slide7.xml><?xml version="1.0" encoding="utf-8"?>
+<p:sld xmlns:a="http://schemas.openxmlformats.org/drawingml/2006/main" xmlns:r="http://schemas.openxmlformats.org/officeDocument/2006/relationships" xmlns:p="http://schemas.openxmlformats.org/presentationml/2006/main">
+  <p:cSld>
+    <p:spTree>
+      <p:nvGrpSpPr>
+        <p:cNvPr id="1" name=""/>
+        <p:cNvGrpSpPr/>
+        <p:nvPr/>
+      </p:nvGrpSpPr>
+      <p:grpSpPr>
+        <a:xfrm>
+          <a:off x="0" y="0"/>
+          <a:ext cx="0" cy="0"/>
+          <a:chOff x="0" y="0"/>
+          <a:chExt cx="0" cy="0"/>
+        </a:xfrm>
+      </p:grpSpPr>
+      <p:sp>
+        <p:nvSpPr>
+          <p:cNvPr id="2" name="Title 1"/>
+          <p:cNvSpPr>
+            <a:spLocks noGrp="1"/>
+          </p:cNvSpPr>
+          <p:nvPr>
+            <p:ph type="title"/>
+          </p:nvPr>
+        </p:nvSpPr>
+        <p:spPr>
+          <a:xfrm>
+            <a:off x="251586" y="244158"/>
+            <a:ext cx="8637831" cy="1339850"/>
+          </a:xfrm>
+        </p:spPr>
+        <p:txBody>
+          <a:bodyPr anchor="t"/>
+          <a:lstStyle/>
+          <a:p>
+            <a:pPr algn="l"/>
+            <a:r>
+              <a:rPr lang="en-US" smtClean="0"/>
+              <a:t>Components</a:t>
+            </a:r>
+            <a:endParaRPr lang="en-US" dirty="0"/>
+          </a:p>
+        </p:txBody>
+      </p:sp>
+      <p:sp>
+        <p:nvSpPr>
+          <p:cNvPr id="6" name="Rounded Rectangle 5"/>
+          <p:cNvSpPr/>
+          <p:nvPr/>
+        </p:nvSpPr>
+        <p:spPr>
+          <a:xfrm>
+            <a:off x="1255904" y="3718776"/>
+            <a:ext cx="1222310" cy="541175"/>
+          </a:xfrm>
+          <a:prstGeom prst="roundRect">
+            <a:avLst/>
+          </a:prstGeom>
+        </p:spPr>
+        <p:style>
+          <a:lnRef idx="2">
+            <a:schemeClr val="accent1">
+              <a:shade val="50000"/>
+            </a:schemeClr>
+          </a:lnRef>
+          <a:fillRef idx="1">
+            <a:schemeClr val="accent1"/>
+          </a:fillRef>
+          <a:effectRef idx="0">
+            <a:schemeClr val="accent1"/>
+          </a:effectRef>
+          <a:fontRef idx="minor">
+            <a:schemeClr val="lt1"/>
+          </a:fontRef>
+        </p:style>
+        <p:txBody>
+          <a:bodyPr rtlCol="0" anchor="ctr"/>
+          <a:lstStyle/>
+          <a:p>
+            <a:pPr algn="ctr"/>
+            <a:r>
+              <a:rPr lang="en-GB" smtClean="0"/>
+              <a:t>User Interface</a:t>
+            </a:r>
+            <a:endParaRPr lang="en-GB"/>
+          </a:p>
+        </p:txBody>
+      </p:sp>
+      <p:sp>
+        <p:nvSpPr>
+          <p:cNvPr id="7" name="Rounded Rectangle 6"/>
+          <p:cNvSpPr/>
+          <p:nvPr/>
+        </p:nvSpPr>
+        <p:spPr>
+          <a:xfrm>
+            <a:off x="2720810" y="3734456"/>
+            <a:ext cx="1344541" cy="541175"/>
+          </a:xfrm>
+          <a:prstGeom prst="roundRect">
+            <a:avLst/>
+          </a:prstGeom>
+        </p:spPr>
+        <p:style>
+          <a:lnRef idx="2">
+            <a:schemeClr val="accent1">
+              <a:shade val="50000"/>
+            </a:schemeClr>
+          </a:lnRef>
+          <a:fillRef idx="1">
+            <a:schemeClr val="accent1"/>
+          </a:fillRef>
+          <a:effectRef idx="0">
+            <a:schemeClr val="accent1"/>
+          </a:effectRef>
+          <a:fontRef idx="minor">
+            <a:schemeClr val="lt1"/>
+          </a:fontRef>
+        </p:style>
+        <p:txBody>
+          <a:bodyPr rtlCol="0" anchor="ctr"/>
+          <a:lstStyle/>
+          <a:p>
+            <a:pPr algn="ctr"/>
+            <a:r>
+              <a:rPr lang="en-GB" smtClean="0"/>
+              <a:t>Payment Handling</a:t>
+            </a:r>
+            <a:endParaRPr lang="en-GB"/>
+          </a:p>
+        </p:txBody>
+      </p:sp>
+      <p:sp>
+        <p:nvSpPr>
+          <p:cNvPr id="8" name="Rounded Rectangle 7"/>
+          <p:cNvSpPr/>
+          <p:nvPr/>
+        </p:nvSpPr>
+        <p:spPr>
+          <a:xfrm>
+            <a:off x="2963406" y="2624115"/>
+            <a:ext cx="1222310" cy="541175"/>
+          </a:xfrm>
+          <a:prstGeom prst="roundRect">
+            <a:avLst/>
+          </a:prstGeom>
+        </p:spPr>
+        <p:style>
+          <a:lnRef idx="2">
+            <a:schemeClr val="accent1">
+              <a:shade val="50000"/>
+            </a:schemeClr>
+          </a:lnRef>
+          <a:fillRef idx="1">
+            <a:schemeClr val="accent1"/>
+          </a:fillRef>
+          <a:effectRef idx="0">
+            <a:schemeClr val="accent1"/>
+          </a:effectRef>
+          <a:fontRef idx="minor">
+            <a:schemeClr val="lt1"/>
+          </a:fontRef>
+        </p:style>
+        <p:txBody>
+          <a:bodyPr rtlCol="0" anchor="ctr"/>
+          <a:lstStyle/>
+          <a:p>
+            <a:pPr algn="ctr"/>
+            <a:r>
+              <a:rPr lang="en-GB" smtClean="0"/>
+              <a:t>Coffee</a:t>
+            </a:r>
+          </a:p>
+          <a:p>
+            <a:pPr algn="ctr"/>
+            <a:r>
+              <a:rPr lang="en-GB" smtClean="0"/>
+              <a:t>Machine</a:t>
+            </a:r>
+            <a:endParaRPr lang="en-GB"/>
+          </a:p>
+        </p:txBody>
+      </p:sp>
+      <p:cxnSp>
+        <p:nvCxnSpPr>
+          <p:cNvPr id="14" name="Elbow Connector 13"/>
+          <p:cNvCxnSpPr>
+            <a:stCxn id="8" idx="2"/>
+            <a:endCxn id="6" idx="0"/>
+          </p:cNvCxnSpPr>
+          <p:nvPr/>
+        </p:nvCxnSpPr>
+        <p:spPr>
+          <a:xfrm rot="5400000">
+            <a:off x="2444067" y="2588282"/>
+            <a:ext cx="553486" cy="1707502"/>
+          </a:xfrm>
+          <a:prstGeom prst="bentConnector3">
+            <a:avLst>
+              <a:gd name="adj1" fmla="val 50000"/>
+            </a:avLst>
+          </a:prstGeom>
+          <a:ln w="28575">
+            <a:tailEnd type="arrow"/>
+          </a:ln>
+        </p:spPr>
+        <p:style>
+          <a:lnRef idx="1">
+            <a:schemeClr val="accent1"/>
+          </a:lnRef>
+          <a:fillRef idx="0">
+            <a:schemeClr val="accent1"/>
+          </a:fillRef>
+          <a:effectRef idx="0">
+            <a:schemeClr val="accent1"/>
+          </a:effectRef>
+          <a:fontRef idx="minor">
+            <a:schemeClr val="tx1"/>
+          </a:fontRef>
+        </p:style>
+      </p:cxnSp>
+      <p:sp>
+        <p:nvSpPr>
+          <p:cNvPr id="12" name="Rounded Rectangle 11"/>
+          <p:cNvSpPr/>
+          <p:nvPr/>
+        </p:nvSpPr>
+        <p:spPr>
+          <a:xfrm>
+            <a:off x="4381659" y="3734456"/>
+            <a:ext cx="1344541" cy="541175"/>
+          </a:xfrm>
+          <a:prstGeom prst="roundRect">
+            <a:avLst/>
+          </a:prstGeom>
+        </p:spPr>
+        <p:style>
+          <a:lnRef idx="2">
+            <a:schemeClr val="accent1">
+              <a:shade val="50000"/>
+            </a:schemeClr>
+          </a:lnRef>
+          <a:fillRef idx="1">
+            <a:schemeClr val="accent1"/>
+          </a:fillRef>
+          <a:effectRef idx="0">
+            <a:schemeClr val="accent1"/>
+          </a:effectRef>
+          <a:fontRef idx="minor">
+            <a:schemeClr val="lt1"/>
+          </a:fontRef>
+        </p:style>
+        <p:txBody>
+          <a:bodyPr rtlCol="0" anchor="ctr"/>
+          <a:lstStyle/>
+          <a:p>
+            <a:pPr algn="ctr"/>
+            <a:r>
+              <a:rPr lang="en-GB" smtClean="0"/>
+              <a:t>Coffee Recipies</a:t>
+            </a:r>
+            <a:endParaRPr lang="en-GB"/>
+          </a:p>
+        </p:txBody>
+      </p:sp>
+      <p:sp>
+        <p:nvSpPr>
+          <p:cNvPr id="13" name="Rounded Rectangle 12"/>
+          <p:cNvSpPr/>
+          <p:nvPr/>
+        </p:nvSpPr>
+        <p:spPr>
+          <a:xfrm>
+            <a:off x="6051838" y="3734456"/>
+            <a:ext cx="1344541" cy="541175"/>
+          </a:xfrm>
+          <a:prstGeom prst="roundRect">
+            <a:avLst/>
+          </a:prstGeom>
+        </p:spPr>
+        <p:style>
+          <a:lnRef idx="2">
+            <a:schemeClr val="accent1">
+              <a:shade val="50000"/>
+            </a:schemeClr>
+          </a:lnRef>
+          <a:fillRef idx="1">
+            <a:schemeClr val="accent1"/>
+          </a:fillRef>
+          <a:effectRef idx="0">
+            <a:schemeClr val="accent1"/>
+          </a:effectRef>
+          <a:fontRef idx="minor">
+            <a:schemeClr val="lt1"/>
+          </a:fontRef>
+        </p:style>
+        <p:txBody>
+          <a:bodyPr rtlCol="0" anchor="ctr"/>
+          <a:lstStyle/>
+          <a:p>
+            <a:pPr algn="ctr"/>
+            <a:r>
+              <a:rPr lang="en-GB" smtClean="0"/>
+              <a:t>Ingredient Hoppers</a:t>
+            </a:r>
+            <a:endParaRPr lang="en-GB"/>
+          </a:p>
+        </p:txBody>
+      </p:sp>
+      <p:cxnSp>
+        <p:nvCxnSpPr>
+          <p:cNvPr id="15" name="Elbow Connector 14"/>
+          <p:cNvCxnSpPr>
+            <a:stCxn id="8" idx="2"/>
+          </p:cNvCxnSpPr>
+          <p:nvPr/>
+        </p:nvCxnSpPr>
+        <p:spPr>
+          <a:xfrm rot="5400000">
+            <a:off x="3197651" y="3360720"/>
+            <a:ext cx="572341" cy="181481"/>
+          </a:xfrm>
+          <a:prstGeom prst="bentConnector3">
+            <a:avLst>
+              <a:gd name="adj1" fmla="val 50000"/>
+            </a:avLst>
+          </a:prstGeom>
+          <a:ln w="28575">
+            <a:tailEnd type="arrow"/>
+          </a:ln>
+        </p:spPr>
+        <p:style>
+          <a:lnRef idx="1">
+            <a:schemeClr val="accent1"/>
+          </a:lnRef>
+          <a:fillRef idx="0">
+            <a:schemeClr val="accent1"/>
+          </a:fillRef>
+          <a:effectRef idx="0">
+            <a:schemeClr val="accent1"/>
+          </a:effectRef>
+          <a:fontRef idx="minor">
+            <a:schemeClr val="tx1"/>
+          </a:fontRef>
+        </p:style>
+      </p:cxnSp>
+      <p:cxnSp>
+        <p:nvCxnSpPr>
+          <p:cNvPr id="16" name="Elbow Connector 15"/>
+          <p:cNvCxnSpPr>
+            <a:stCxn id="8" idx="2"/>
+            <a:endCxn id="12" idx="0"/>
+          </p:cNvCxnSpPr>
+          <p:nvPr/>
+        </p:nvCxnSpPr>
+        <p:spPr>
+          <a:xfrm rot="16200000" flipH="1">
+            <a:off x="4029662" y="2710188"/>
+            <a:ext cx="569166" cy="1479369"/>
+          </a:xfrm>
+          <a:prstGeom prst="bentConnector3">
+            <a:avLst>
+              <a:gd name="adj1" fmla="val 50000"/>
+            </a:avLst>
+          </a:prstGeom>
+          <a:ln w="28575">
+            <a:tailEnd type="arrow"/>
+          </a:ln>
+        </p:spPr>
+        <p:style>
+          <a:lnRef idx="1">
+            <a:schemeClr val="accent1"/>
+          </a:lnRef>
+          <a:fillRef idx="0">
+            <a:schemeClr val="accent1"/>
+          </a:fillRef>
+          <a:effectRef idx="0">
+            <a:schemeClr val="accent1"/>
+          </a:effectRef>
+          <a:fontRef idx="minor">
+            <a:schemeClr val="tx1"/>
+          </a:fontRef>
+        </p:style>
+      </p:cxnSp>
+      <p:cxnSp>
+        <p:nvCxnSpPr>
+          <p:cNvPr id="21" name="Elbow Connector 20"/>
+          <p:cNvCxnSpPr/>
+          <p:nvPr/>
+        </p:nvCxnSpPr>
+        <p:spPr>
+          <a:xfrm>
+            <a:off x="5053932" y="3451462"/>
+            <a:ext cx="1670176" cy="282995"/>
+          </a:xfrm>
+          <a:prstGeom prst="bentConnector3">
+            <a:avLst>
+              <a:gd name="adj1" fmla="val 99639"/>
+            </a:avLst>
+          </a:prstGeom>
+          <a:ln w="28575">
+            <a:tailEnd type="arrow"/>
+          </a:ln>
+        </p:spPr>
+        <p:style>
+          <a:lnRef idx="1">
+            <a:schemeClr val="accent1"/>
+          </a:lnRef>
+          <a:fillRef idx="0">
+            <a:schemeClr val="accent1"/>
+          </a:fillRef>
+          <a:effectRef idx="0">
+            <a:schemeClr val="accent1"/>
+          </a:effectRef>
+          <a:fontRef idx="minor">
+            <a:schemeClr val="tx1"/>
+          </a:fontRef>
+        </p:style>
+      </p:cxnSp>
+    </p:spTree>
+    <p:extLst>
+      <p:ext uri="{BB962C8B-B14F-4D97-AF65-F5344CB8AC3E}">
+        <p14:creationId xmlns:p14="http://schemas.microsoft.com/office/powerpoint/2010/main" val="2686040031"/>
+      </p:ext>
+    </p:extLst>
+  </p:cSld>
+  <p:clrMapOvr>
+    <a:masterClrMapping/>
+  </p:clrMapOvr>
+  <p:timing>
+    <p:tnLst>
+      <p:par>
+        <p:cTn id="1" dur="indefinite" restart="never" nodeType="tmRoot"/>
+      </p:par>
+    </p:tnLst>
+  </p:timing>
+</p:sld>
+</file>
+
+<file path=ppt/slides/slide8.xml><?xml version="1.0" encoding="utf-8"?>
+<p:sld xmlns:a="http://schemas.openxmlformats.org/drawingml/2006/main" xmlns:r="http://schemas.openxmlformats.org/officeDocument/2006/relationships" xmlns:p="http://schemas.openxmlformats.org/presentationml/2006/main">
+  <p:cSld>
+    <p:spTree>
+      <p:nvGrpSpPr>
+        <p:cNvPr id="1" name=""/>
+        <p:cNvGrpSpPr/>
+        <p:nvPr/>
+      </p:nvGrpSpPr>
+      <p:grpSpPr>
+        <a:xfrm>
+          <a:off x="0" y="0"/>
+          <a:ext cx="0" cy="0"/>
+          <a:chOff x="0" y="0"/>
+          <a:chExt cx="0" cy="0"/>
+        </a:xfrm>
+      </p:grpSpPr>
+      <p:sp>
+        <p:nvSpPr>
+          <p:cNvPr id="2" name="Title 1"/>
+          <p:cNvSpPr>
+            <a:spLocks noGrp="1"/>
+          </p:cNvSpPr>
+          <p:nvPr>
+            <p:ph type="title"/>
+          </p:nvPr>
+        </p:nvSpPr>
+        <p:spPr>
+          <a:xfrm>
+            <a:off x="251586" y="244158"/>
+            <a:ext cx="8637831" cy="1339850"/>
+          </a:xfrm>
+        </p:spPr>
+        <p:txBody>
+          <a:bodyPr anchor="t"/>
+          <a:lstStyle/>
+          <a:p>
+            <a:pPr algn="l"/>
+            <a:r>
               <a:rPr lang="en-US" dirty="0" smtClean="0"/>
               <a:t>Folders for Components</a:t>
             </a:r>
@@ -15999,7 +17527,25 @@
               <a:rPr lang="en-US" sz="2000" dirty="0" smtClean="0">
                 <a:latin typeface="Lucida Sans" panose="020B0602030504020204" pitchFamily="34" charset="0"/>
               </a:rPr>
-              <a:t>(including one for the whole coffee-machine)</a:t>
+              <a:t>(</a:t>
+            </a:r>
+            <a:r>
+              <a:rPr lang="en-US" sz="2000" smtClean="0">
+                <a:latin typeface="Lucida Sans" panose="020B0602030504020204" pitchFamily="34" charset="0"/>
+              </a:rPr>
+              <a:t>including </a:t>
+            </a:r>
+            <a:r>
+              <a:rPr lang="en-US" sz="2000" smtClean="0">
+                <a:latin typeface="Lucida Sans" panose="020B0602030504020204" pitchFamily="34" charset="0"/>
+              </a:rPr>
+              <a:t>parent </a:t>
+            </a:r>
+            <a:r>
+              <a:rPr lang="en-US" sz="2000" dirty="0" smtClean="0">
+                <a:latin typeface="Lucida Sans" panose="020B0602030504020204" pitchFamily="34" charset="0"/>
+              </a:rPr>
+              <a:t>for the whole coffee-machine)</a:t>
             </a:r>
           </a:p>
           <a:p>
